--- a/DataAnalysis_Project1_Group2.pptx
+++ b/DataAnalysis_Project1_Group2.pptx
@@ -5,7 +5,7 @@
     <p:sldMasterId id="2147483678" r:id="rId1"/>
   </p:sldMasterIdLst>
   <p:notesMasterIdLst>
-    <p:notesMasterId r:id="rId14"/>
+    <p:notesMasterId r:id="rId16"/>
   </p:notesMasterIdLst>
   <p:sldIdLst>
     <p:sldId id="256" r:id="rId2"/>
@@ -18,8 +18,10 @@
     <p:sldId id="265" r:id="rId9"/>
     <p:sldId id="275" r:id="rId10"/>
     <p:sldId id="276" r:id="rId11"/>
-    <p:sldId id="262" r:id="rId12"/>
-    <p:sldId id="261" r:id="rId13"/>
+    <p:sldId id="280" r:id="rId12"/>
+    <p:sldId id="281" r:id="rId13"/>
+    <p:sldId id="262" r:id="rId14"/>
+    <p:sldId id="261" r:id="rId15"/>
   </p:sldIdLst>
   <p:sldSz cx="12192000" cy="6858000"/>
   <p:notesSz cx="6858000" cy="9144000"/>
@@ -972,7 +974,7 @@
           </a:pPr>
           <a:r>
             <a:rPr lang="en-US" dirty="0"/>
-            <a:t>To investigate the patterns of drug consumption among individuals based on Country of Residence, Gender and Age.</a:t>
+            <a:t>To investigate the patterns of drug consumption among individuals based on Country of Residence, Gender, Age and Education Level.</a:t>
           </a:r>
           <a:endParaRPr lang="en-AU" dirty="0"/>
         </a:p>
@@ -1186,6 +1188,34 @@
         </a:p>
       </dgm:t>
     </dgm:pt>
+    <dgm:pt modelId="{E62741C6-DDA6-8749-88AD-98BF36A8ADF2}">
+      <dgm:prSet/>
+      <dgm:spPr/>
+      <dgm:t>
+        <a:bodyPr/>
+        <a:lstStyle/>
+        <a:p>
+          <a:r>
+            <a:rPr lang="en-US" dirty="0">
+              <a:solidFill>
+                <a:srgbClr val="202020"/>
+              </a:solidFill>
+              <a:effectLst/>
+            </a:rPr>
+            <a:t>Does level of education affect people’s level of drug intake particularly cannabis?</a:t>
+          </a:r>
+          <a:endParaRPr lang="en-US" dirty="0"/>
+        </a:p>
+      </dgm:t>
+    </dgm:pt>
+    <dgm:pt modelId="{47A9D7DA-1B7F-B348-AE15-8723F82FF7E3}" type="parTrans" cxnId="{41EBE53B-FE6A-3141-AD2F-342DD0F78804}">
+      <dgm:prSet/>
+      <dgm:spPr/>
+    </dgm:pt>
+    <dgm:pt modelId="{05A2555F-FAC9-9E44-91FB-0EB91CC24AED}" type="sibTrans" cxnId="{41EBE53B-FE6A-3141-AD2F-342DD0F78804}">
+      <dgm:prSet/>
+      <dgm:spPr/>
+    </dgm:pt>
     <dgm:pt modelId="{652A5275-38CB-4F97-8D17-1358B94319D0}" type="pres">
       <dgm:prSet presAssocID="{0A332DBA-4895-444A-ADC0-0C31E2416DBB}" presName="linear" presStyleCnt="0">
         <dgm:presLayoutVars>
@@ -1234,16 +1264,18 @@
     <dgm:cxn modelId="{A06EC002-EC69-4229-BC07-E610C8337522}" srcId="{0A332DBA-4895-444A-ADC0-0C31E2416DBB}" destId="{98721931-D57C-4863-80B0-898972939A9D}" srcOrd="0" destOrd="0" parTransId="{9D672738-3976-47A7-A240-513E0E68E4A1}" sibTransId="{CD52B3D0-1ACE-4AC6-BE87-4F785698A899}"/>
     <dgm:cxn modelId="{5828B138-F1FB-43DE-931C-9BAFCC4D0BEC}" srcId="{98721931-D57C-4863-80B0-898972939A9D}" destId="{922E0AA3-96A6-4302-AD75-0131ABF3FE6E}" srcOrd="1" destOrd="0" parTransId="{8926B1E5-448F-44EF-9AE6-BF3D26AB11B8}" sibTransId="{B5FAC1A5-FF39-4286-9CFD-038FCD3EF58E}"/>
     <dgm:cxn modelId="{210C1F3B-D096-4444-9831-230D978B67CB}" type="presOf" srcId="{3C28B508-8894-4C68-9098-31CFDCFB2562}" destId="{C052E537-3663-4594-B0DC-7066E6B47CE6}" srcOrd="0" destOrd="0" presId="urn:microsoft.com/office/officeart/2005/8/layout/vList2"/>
+    <dgm:cxn modelId="{41EBE53B-FE6A-3141-AD2F-342DD0F78804}" srcId="{0DC380C7-F030-4E1D-933C-A6C06AC44B4C}" destId="{E62741C6-DDA6-8749-88AD-98BF36A8ADF2}" srcOrd="3" destOrd="0" parTransId="{47A9D7DA-1B7F-B348-AE15-8723F82FF7E3}" sibTransId="{05A2555F-FAC9-9E44-91FB-0EB91CC24AED}"/>
     <dgm:cxn modelId="{ADB0B63D-2222-4167-9C3B-CD85AC732A46}" srcId="{0DC380C7-F030-4E1D-933C-A6C06AC44B4C}" destId="{4D2CEE75-95FA-4E6D-9CE3-504991B722F6}" srcOrd="1" destOrd="0" parTransId="{B7DC9D5A-35D9-496C-A023-75650FFEE4B3}" sibTransId="{1E607DDC-F42E-4EA9-83C0-9CFA8A4964C7}"/>
-    <dgm:cxn modelId="{C8AC895F-7B1E-4AD9-92A4-09E6F1093576}" srcId="{0A332DBA-4895-444A-ADC0-0C31E2416DBB}" destId="{0DC380C7-F030-4E1D-933C-A6C06AC44B4C}" srcOrd="1" destOrd="0" parTransId="{CD50F235-1E62-4438-860F-0E80846F6061}" sibTransId="{1E354504-7468-4DD0-9FF1-471D89E1782A}"/>
     <dgm:cxn modelId="{7154D745-B429-4505-BAE3-BC28E1FDA857}" srcId="{0DC380C7-F030-4E1D-933C-A6C06AC44B4C}" destId="{1CE4C2AD-697B-458D-9EB5-2BE03B3C63A2}" srcOrd="2" destOrd="0" parTransId="{DFC26180-D186-4734-8794-358051BE8359}" sibTransId="{5F8B10AF-3E9D-4B3D-9B4C-7DD91FC25D79}"/>
     <dgm:cxn modelId="{622D624D-3197-4646-8728-19C7EF4271DD}" type="presOf" srcId="{1CE4C2AD-697B-458D-9EB5-2BE03B3C63A2}" destId="{C052E537-3663-4594-B0DC-7066E6B47CE6}" srcOrd="0" destOrd="2" presId="urn:microsoft.com/office/officeart/2005/8/layout/vList2"/>
     <dgm:cxn modelId="{C16DB658-0898-4365-B775-78B7C68B82E5}" srcId="{0DC380C7-F030-4E1D-933C-A6C06AC44B4C}" destId="{3C28B508-8894-4C68-9098-31CFDCFB2562}" srcOrd="0" destOrd="0" parTransId="{AB338C80-ACF9-457C-A0DB-148D259C16DE}" sibTransId="{3C4752E0-6D2E-443F-A7C6-8D97DD5B01DE}"/>
+    <dgm:cxn modelId="{C8AC895F-7B1E-4AD9-92A4-09E6F1093576}" srcId="{0A332DBA-4895-444A-ADC0-0C31E2416DBB}" destId="{0DC380C7-F030-4E1D-933C-A6C06AC44B4C}" srcOrd="1" destOrd="0" parTransId="{CD50F235-1E62-4438-860F-0E80846F6061}" sibTransId="{1E354504-7468-4DD0-9FF1-471D89E1782A}"/>
     <dgm:cxn modelId="{94AB347A-2322-4D2A-B354-2F02F8C3E6A5}" type="presOf" srcId="{0DC380C7-F030-4E1D-933C-A6C06AC44B4C}" destId="{EFD179FF-3C06-4A5B-9487-252B69C22138}" srcOrd="0" destOrd="0" presId="urn:microsoft.com/office/officeart/2005/8/layout/vList2"/>
     <dgm:cxn modelId="{31A39686-4179-4A1A-9C6F-EE95A37E0BE8}" type="presOf" srcId="{98721931-D57C-4863-80B0-898972939A9D}" destId="{6DFC2AB2-70A8-4624-862E-4C1DF885B3DF}" srcOrd="0" destOrd="0" presId="urn:microsoft.com/office/officeart/2005/8/layout/vList2"/>
     <dgm:cxn modelId="{3F96B489-A712-4711-9CF3-EED03EF127D5}" srcId="{98721931-D57C-4863-80B0-898972939A9D}" destId="{807FFB5C-4A1A-408C-9F80-BC1D3BA81730}" srcOrd="0" destOrd="0" parTransId="{B569BD94-4B43-4833-ACD3-6121B3BD23B7}" sibTransId="{2ECD86AF-C7C9-4FA1-8AB4-63057C2688DD}"/>
     <dgm:cxn modelId="{BBC0C2A1-B338-4CDB-AE9E-AE69241DE8DF}" type="presOf" srcId="{922E0AA3-96A6-4302-AD75-0131ABF3FE6E}" destId="{C3DAF52E-22E7-4127-B074-1E1C2671F9F6}" srcOrd="0" destOrd="1" presId="urn:microsoft.com/office/officeart/2005/8/layout/vList2"/>
     <dgm:cxn modelId="{434975A4-153F-4388-8010-988EEA8BCFAE}" type="presOf" srcId="{0A332DBA-4895-444A-ADC0-0C31E2416DBB}" destId="{652A5275-38CB-4F97-8D17-1358B94319D0}" srcOrd="0" destOrd="0" presId="urn:microsoft.com/office/officeart/2005/8/layout/vList2"/>
+    <dgm:cxn modelId="{F58790C5-FC87-B348-85C2-E8600A2BD9F5}" type="presOf" srcId="{E62741C6-DDA6-8749-88AD-98BF36A8ADF2}" destId="{C052E537-3663-4594-B0DC-7066E6B47CE6}" srcOrd="0" destOrd="3" presId="urn:microsoft.com/office/officeart/2005/8/layout/vList2"/>
     <dgm:cxn modelId="{D84B58C7-D671-4393-9A1B-7AA9202BE63C}" type="presOf" srcId="{4D2CEE75-95FA-4E6D-9CE3-504991B722F6}" destId="{C052E537-3663-4594-B0DC-7066E6B47CE6}" srcOrd="0" destOrd="1" presId="urn:microsoft.com/office/officeart/2005/8/layout/vList2"/>
     <dgm:cxn modelId="{95D698DD-CD19-47FD-8A37-898F38E0AB4F}" type="presOf" srcId="{807FFB5C-4A1A-408C-9F80-BC1D3BA81730}" destId="{C3DAF52E-22E7-4127-B074-1E1C2671F9F6}" srcOrd="0" destOrd="0" presId="urn:microsoft.com/office/officeart/2005/8/layout/vList2"/>
     <dgm:cxn modelId="{D4937E5A-3A98-4BE5-8FE0-B8DA2D47F560}" type="presParOf" srcId="{652A5275-38CB-4F97-8D17-1358B94319D0}" destId="{6DFC2AB2-70A8-4624-862E-4C1DF885B3DF}" srcOrd="0" destOrd="0" presId="urn:microsoft.com/office/officeart/2005/8/layout/vList2"/>
@@ -1276,8 +1308,8 @@
       </dsp:nvSpPr>
       <dsp:spPr>
         <a:xfrm>
-          <a:off x="0" y="52510"/>
-          <a:ext cx="8825659" cy="503685"/>
+          <a:off x="0" y="259352"/>
+          <a:ext cx="8825659" cy="455715"/>
         </a:xfrm>
         <a:prstGeom prst="roundRect">
           <a:avLst/>
@@ -1318,12 +1350,12 @@
         </a:fontRef>
       </dsp:style>
       <dsp:txBody>
-        <a:bodyPr spcFirstLastPara="0" vert="horz" wrap="square" lIns="80010" tIns="80010" rIns="80010" bIns="80010" numCol="1" spcCol="1270" anchor="ctr" anchorCtr="0">
+        <a:bodyPr spcFirstLastPara="0" vert="horz" wrap="square" lIns="72390" tIns="72390" rIns="72390" bIns="72390" numCol="1" spcCol="1270" anchor="ctr" anchorCtr="0">
           <a:noAutofit/>
         </a:bodyPr>
         <a:lstStyle/>
         <a:p>
-          <a:pPr marL="0" lvl="0" indent="0" algn="l" defTabSz="933450">
+          <a:pPr marL="0" lvl="0" indent="0" algn="l" defTabSz="844550">
             <a:lnSpc>
               <a:spcPct val="90000"/>
             </a:lnSpc>
@@ -1336,15 +1368,15 @@
             <a:buNone/>
           </a:pPr>
           <a:r>
-            <a:rPr lang="en-US" sz="2100" kern="1200" dirty="0"/>
+            <a:rPr lang="en-US" sz="1900" kern="1200" dirty="0"/>
             <a:t>Project Outline</a:t>
           </a:r>
-          <a:endParaRPr lang="en-AU" sz="2100" kern="1200" dirty="0"/>
+          <a:endParaRPr lang="en-AU" sz="1900" kern="1200" dirty="0"/>
         </a:p>
       </dsp:txBody>
       <dsp:txXfrm>
-        <a:off x="24588" y="77098"/>
-        <a:ext cx="8776483" cy="454509"/>
+        <a:off x="22246" y="281598"/>
+        <a:ext cx="8781167" cy="411223"/>
       </dsp:txXfrm>
     </dsp:sp>
     <dsp:sp modelId="{C3DAF52E-22E7-4127-B074-1E1C2671F9F6}">
@@ -1354,8 +1386,8 @@
       </dsp:nvSpPr>
       <dsp:spPr>
         <a:xfrm>
-          <a:off x="0" y="556195"/>
-          <a:ext cx="8825659" cy="1021545"/>
+          <a:off x="0" y="715067"/>
+          <a:ext cx="8825659" cy="943920"/>
         </a:xfrm>
         <a:prstGeom prst="rect">
           <a:avLst/>
@@ -1379,12 +1411,12 @@
         <a:fontRef idx="minor"/>
       </dsp:style>
       <dsp:txBody>
-        <a:bodyPr spcFirstLastPara="0" vert="horz" wrap="square" lIns="280215" tIns="26670" rIns="149352" bIns="26670" numCol="1" spcCol="1270" anchor="t" anchorCtr="0">
+        <a:bodyPr spcFirstLastPara="0" vert="horz" wrap="square" lIns="280215" tIns="24130" rIns="135128" bIns="24130" numCol="1" spcCol="1270" anchor="t" anchorCtr="0">
           <a:noAutofit/>
         </a:bodyPr>
         <a:lstStyle/>
         <a:p>
-          <a:pPr marL="171450" lvl="1" indent="-171450" algn="l" defTabSz="711200">
+          <a:pPr marL="114300" lvl="1" indent="-114300" algn="l" defTabSz="666750">
             <a:lnSpc>
               <a:spcPct val="90000"/>
             </a:lnSpc>
@@ -1398,13 +1430,13 @@
             <a:buChar char="•"/>
           </a:pPr>
           <a:r>
-            <a:rPr lang="en-US" sz="1600" kern="1200" dirty="0"/>
-            <a:t>To investigate the patterns of drug consumption among individuals based on Country of Residence, Gender and Age.</a:t>
+            <a:rPr lang="en-US" sz="1500" kern="1200" dirty="0"/>
+            <a:t>To investigate the patterns of drug consumption among individuals based on Country of Residence, Gender, Age and Education Level.</a:t>
           </a:r>
-          <a:endParaRPr lang="en-AU" sz="1600" kern="1200" dirty="0"/>
+          <a:endParaRPr lang="en-AU" sz="1500" kern="1200" dirty="0"/>
         </a:p>
         <a:p>
-          <a:pPr marL="171450" lvl="1" indent="-171450" algn="l" defTabSz="711200">
+          <a:pPr marL="114300" lvl="1" indent="-114300" algn="l" defTabSz="666750">
             <a:lnSpc>
               <a:spcPct val="90000"/>
             </a:lnSpc>
@@ -1417,14 +1449,14 @@
             <a:buChar char="•"/>
           </a:pPr>
           <a:r>
-            <a:rPr lang="en-US" sz="1600" kern="1200" dirty="0"/>
+            <a:rPr lang="en-US" sz="1500" kern="1200" dirty="0"/>
             <a:t>The analysis uses a dataset containing a record of 1,855 participants recruited over a 12-month period, between March 2011 and March 2012.</a:t>
           </a:r>
         </a:p>
       </dsp:txBody>
       <dsp:txXfrm>
-        <a:off x="0" y="556195"/>
-        <a:ext cx="8825659" cy="1021545"/>
+        <a:off x="0" y="715067"/>
+        <a:ext cx="8825659" cy="943920"/>
       </dsp:txXfrm>
     </dsp:sp>
     <dsp:sp modelId="{EFD179FF-3C06-4A5B-9487-252B69C22138}">
@@ -1434,8 +1466,8 @@
       </dsp:nvSpPr>
       <dsp:spPr>
         <a:xfrm>
-          <a:off x="0" y="1577740"/>
-          <a:ext cx="8825659" cy="503685"/>
+          <a:off x="0" y="1658987"/>
+          <a:ext cx="8825659" cy="455715"/>
         </a:xfrm>
         <a:prstGeom prst="roundRect">
           <a:avLst/>
@@ -1476,12 +1508,12 @@
         </a:fontRef>
       </dsp:style>
       <dsp:txBody>
-        <a:bodyPr spcFirstLastPara="0" vert="horz" wrap="square" lIns="80010" tIns="80010" rIns="80010" bIns="80010" numCol="1" spcCol="1270" anchor="ctr" anchorCtr="0">
+        <a:bodyPr spcFirstLastPara="0" vert="horz" wrap="square" lIns="72390" tIns="72390" rIns="72390" bIns="72390" numCol="1" spcCol="1270" anchor="ctr" anchorCtr="0">
           <a:noAutofit/>
         </a:bodyPr>
         <a:lstStyle/>
         <a:p>
-          <a:pPr marL="0" lvl="0" indent="0" algn="l" defTabSz="933450">
+          <a:pPr marL="0" lvl="0" indent="0" algn="l" defTabSz="844550">
             <a:lnSpc>
               <a:spcPct val="90000"/>
             </a:lnSpc>
@@ -1494,14 +1526,14 @@
             <a:buNone/>
           </a:pPr>
           <a:r>
-            <a:rPr lang="en-AU" sz="2100" kern="1200" dirty="0"/>
+            <a:rPr lang="en-AU" sz="1900" kern="1200" dirty="0"/>
             <a:t>Research Questions</a:t>
           </a:r>
         </a:p>
       </dsp:txBody>
       <dsp:txXfrm>
-        <a:off x="24588" y="1602328"/>
-        <a:ext cx="8776483" cy="454509"/>
+        <a:off x="22246" y="1681233"/>
+        <a:ext cx="8781167" cy="411223"/>
       </dsp:txXfrm>
     </dsp:sp>
     <dsp:sp modelId="{C052E537-3663-4594-B0DC-7066E6B47CE6}">
@@ -1511,8 +1543,8 @@
       </dsp:nvSpPr>
       <dsp:spPr>
         <a:xfrm>
-          <a:off x="0" y="2081425"/>
-          <a:ext cx="8825659" cy="1282364"/>
+          <a:off x="0" y="2114702"/>
+          <a:ext cx="8825659" cy="1042245"/>
         </a:xfrm>
         <a:prstGeom prst="rect">
           <a:avLst/>
@@ -1536,12 +1568,12 @@
         <a:fontRef idx="minor"/>
       </dsp:style>
       <dsp:txBody>
-        <a:bodyPr spcFirstLastPara="0" vert="horz" wrap="square" lIns="280215" tIns="26670" rIns="149352" bIns="26670" numCol="1" spcCol="1270" anchor="t" anchorCtr="0">
+        <a:bodyPr spcFirstLastPara="0" vert="horz" wrap="square" lIns="280215" tIns="24130" rIns="135128" bIns="24130" numCol="1" spcCol="1270" anchor="t" anchorCtr="0">
           <a:noAutofit/>
         </a:bodyPr>
         <a:lstStyle/>
         <a:p>
-          <a:pPr marL="171450" lvl="1" indent="-171450" algn="l" defTabSz="711200">
+          <a:pPr marL="114300" lvl="1" indent="-114300" algn="l" defTabSz="666750">
             <a:lnSpc>
               <a:spcPct val="90000"/>
             </a:lnSpc>
@@ -1555,13 +1587,13 @@
             <a:buChar char="•"/>
           </a:pPr>
           <a:r>
-            <a:rPr lang="en-US" sz="1600" kern="1200" dirty="0"/>
+            <a:rPr lang="en-US" sz="1500" kern="1200" dirty="0"/>
             <a:t>What percentage of people from each of the countries represented, uses illicit drugs?</a:t>
           </a:r>
-          <a:endParaRPr lang="en-AU" sz="1600" kern="1200" dirty="0"/>
+          <a:endParaRPr lang="en-AU" sz="1500" kern="1200" dirty="0"/>
         </a:p>
         <a:p>
-          <a:pPr marL="171450" lvl="1" indent="-171450" algn="l" defTabSz="711200">
+          <a:pPr marL="114300" lvl="1" indent="-114300" algn="l" defTabSz="666750">
             <a:lnSpc>
               <a:spcPct val="90000"/>
             </a:lnSpc>
@@ -1574,13 +1606,13 @@
             <a:buChar char="•"/>
           </a:pPr>
           <a:r>
-            <a:rPr lang="en-US" sz="1600" b="0" i="0" kern="1200" dirty="0"/>
+            <a:rPr lang="en-US" sz="1500" b="0" i="0" kern="1200" dirty="0"/>
             <a:t>Is there any difference between the drug consumption behavior for men and women?</a:t>
           </a:r>
-          <a:endParaRPr lang="en-US" sz="1600" kern="1200" dirty="0"/>
+          <a:endParaRPr lang="en-US" sz="1500" kern="1200" dirty="0"/>
         </a:p>
         <a:p>
-          <a:pPr marL="171450" lvl="1" indent="-171450" algn="l" defTabSz="711200">
+          <a:pPr marL="114300" lvl="1" indent="-114300" algn="l" defTabSz="666750">
             <a:lnSpc>
               <a:spcPct val="90000"/>
             </a:lnSpc>
@@ -1593,14 +1625,38 @@
             <a:buChar char="•"/>
           </a:pPr>
           <a:r>
-            <a:rPr lang="en-US" sz="1600" kern="1200" dirty="0"/>
+            <a:rPr lang="en-US" sz="1500" kern="1200" dirty="0"/>
             <a:t>Does illicit drug consumption reduce as people age?</a:t>
           </a:r>
         </a:p>
+        <a:p>
+          <a:pPr marL="114300" lvl="1" indent="-114300" algn="l" defTabSz="666750">
+            <a:lnSpc>
+              <a:spcPct val="90000"/>
+            </a:lnSpc>
+            <a:spcBef>
+              <a:spcPct val="0"/>
+            </a:spcBef>
+            <a:spcAft>
+              <a:spcPct val="20000"/>
+            </a:spcAft>
+            <a:buChar char="•"/>
+          </a:pPr>
+          <a:r>
+            <a:rPr lang="en-US" sz="1500" kern="1200" dirty="0">
+              <a:solidFill>
+                <a:srgbClr val="202020"/>
+              </a:solidFill>
+              <a:effectLst/>
+            </a:rPr>
+            <a:t>Does level of education affect people’s level of drug intake particularly cannabis?</a:t>
+          </a:r>
+          <a:endParaRPr lang="en-US" sz="1500" kern="1200" dirty="0"/>
+        </a:p>
       </dsp:txBody>
       <dsp:txXfrm>
-        <a:off x="0" y="2081425"/>
-        <a:ext cx="8825659" cy="1282364"/>
+        <a:off x="0" y="2114702"/>
+        <a:ext cx="8825659" cy="1042245"/>
       </dsp:txXfrm>
     </dsp:sp>
   </dsp:spTree>
@@ -2890,7 +2946,7 @@
           <a:p>
             <a:fld id="{277FEC93-4529-4A49-97E1-64E94509531E}" type="datetimeFigureOut">
               <a:rPr lang="en-AU" smtClean="0"/>
-              <a:t>6/05/2024</a:t>
+              <a:t>7/5/2024</a:t>
             </a:fld>
             <a:endParaRPr lang="en-AU"/>
           </a:p>
@@ -4458,7 +4514,7 @@
           <a:p>
             <a:fld id="{0E733A8A-EBC9-4721-B338-01D03FFEEE59}" type="datetimeFigureOut">
               <a:rPr lang="en-AU" smtClean="0"/>
-              <a:t>6/05/2024</a:t>
+              <a:t>7/5/2024</a:t>
             </a:fld>
             <a:endParaRPr lang="en-AU"/>
           </a:p>
@@ -5440,7 +5496,7 @@
           <a:p>
             <a:fld id="{0E733A8A-EBC9-4721-B338-01D03FFEEE59}" type="datetimeFigureOut">
               <a:rPr lang="en-AU" smtClean="0"/>
-              <a:t>6/05/2024</a:t>
+              <a:t>7/5/2024</a:t>
             </a:fld>
             <a:endParaRPr lang="en-AU"/>
           </a:p>
@@ -6310,7 +6366,7 @@
           <a:p>
             <a:fld id="{0E733A8A-EBC9-4721-B338-01D03FFEEE59}" type="datetimeFigureOut">
               <a:rPr lang="en-AU" smtClean="0"/>
-              <a:t>6/05/2024</a:t>
+              <a:t>7/5/2024</a:t>
             </a:fld>
             <a:endParaRPr lang="en-AU"/>
           </a:p>
@@ -7331,7 +7387,7 @@
           <a:p>
             <a:fld id="{0E733A8A-EBC9-4721-B338-01D03FFEEE59}" type="datetimeFigureOut">
               <a:rPr lang="en-AU" smtClean="0"/>
-              <a:t>6/05/2024</a:t>
+              <a:t>7/5/2024</a:t>
             </a:fld>
             <a:endParaRPr lang="en-AU"/>
           </a:p>
@@ -8251,7 +8307,7 @@
           <a:p>
             <a:fld id="{0E733A8A-EBC9-4721-B338-01D03FFEEE59}" type="datetimeFigureOut">
               <a:rPr lang="en-AU" smtClean="0"/>
-              <a:t>6/05/2024</a:t>
+              <a:t>7/5/2024</a:t>
             </a:fld>
             <a:endParaRPr lang="en-AU"/>
           </a:p>
@@ -8907,7 +8963,7 @@
           <a:p>
             <a:fld id="{0E733A8A-EBC9-4721-B338-01D03FFEEE59}" type="datetimeFigureOut">
               <a:rPr lang="en-AU" smtClean="0"/>
-              <a:t>6/05/2024</a:t>
+              <a:t>7/5/2024</a:t>
             </a:fld>
             <a:endParaRPr lang="en-AU"/>
           </a:p>
@@ -9764,7 +9820,7 @@
           <a:p>
             <a:fld id="{0E733A8A-EBC9-4721-B338-01D03FFEEE59}" type="datetimeFigureOut">
               <a:rPr lang="en-AU" smtClean="0"/>
-              <a:t>6/05/2024</a:t>
+              <a:t>7/5/2024</a:t>
             </a:fld>
             <a:endParaRPr lang="en-AU"/>
           </a:p>
@@ -9947,7 +10003,7 @@
           <a:p>
             <a:fld id="{0E733A8A-EBC9-4721-B338-01D03FFEEE59}" type="datetimeFigureOut">
               <a:rPr lang="en-AU" smtClean="0"/>
-              <a:t>6/05/2024</a:t>
+              <a:t>7/5/2024</a:t>
             </a:fld>
             <a:endParaRPr lang="en-AU"/>
           </a:p>
@@ -10804,7 +10860,7 @@
           <a:p>
             <a:fld id="{0E733A8A-EBC9-4721-B338-01D03FFEEE59}" type="datetimeFigureOut">
               <a:rPr lang="en-AU" smtClean="0"/>
-              <a:t>6/05/2024</a:t>
+              <a:t>7/5/2024</a:t>
             </a:fld>
             <a:endParaRPr lang="en-AU"/>
           </a:p>
@@ -11023,7 +11079,7 @@
           <a:p>
             <a:fld id="{0E733A8A-EBC9-4721-B338-01D03FFEEE59}" type="datetimeFigureOut">
               <a:rPr lang="en-AU" smtClean="0"/>
-              <a:t>6/05/2024</a:t>
+              <a:t>7/5/2024</a:t>
             </a:fld>
             <a:endParaRPr lang="en-AU"/>
           </a:p>
@@ -11948,7 +12004,7 @@
           <a:p>
             <a:fld id="{0E733A8A-EBC9-4721-B338-01D03FFEEE59}" type="datetimeFigureOut">
               <a:rPr lang="en-AU" smtClean="0"/>
-              <a:t>6/05/2024</a:t>
+              <a:t>7/5/2024</a:t>
             </a:fld>
             <a:endParaRPr lang="en-AU"/>
           </a:p>
@@ -12232,7 +12288,7 @@
           <a:p>
             <a:fld id="{0E733A8A-EBC9-4721-B338-01D03FFEEE59}" type="datetimeFigureOut">
               <a:rPr lang="en-AU" smtClean="0"/>
-              <a:t>6/05/2024</a:t>
+              <a:t>7/5/2024</a:t>
             </a:fld>
             <a:endParaRPr lang="en-AU"/>
           </a:p>
@@ -12622,7 +12678,7 @@
           <a:p>
             <a:fld id="{0E733A8A-EBC9-4721-B338-01D03FFEEE59}" type="datetimeFigureOut">
               <a:rPr lang="en-AU" smtClean="0"/>
-              <a:t>6/05/2024</a:t>
+              <a:t>7/5/2024</a:t>
             </a:fld>
             <a:endParaRPr lang="en-AU"/>
           </a:p>
@@ -12748,7 +12804,7 @@
           <a:p>
             <a:fld id="{0E733A8A-EBC9-4721-B338-01D03FFEEE59}" type="datetimeFigureOut">
               <a:rPr lang="en-AU" smtClean="0"/>
-              <a:t>6/05/2024</a:t>
+              <a:t>7/5/2024</a:t>
             </a:fld>
             <a:endParaRPr lang="en-AU"/>
           </a:p>
@@ -12843,7 +12899,7 @@
           <a:p>
             <a:fld id="{0E733A8A-EBC9-4721-B338-01D03FFEEE59}" type="datetimeFigureOut">
               <a:rPr lang="en-AU" smtClean="0"/>
-              <a:t>6/05/2024</a:t>
+              <a:t>7/5/2024</a:t>
             </a:fld>
             <a:endParaRPr lang="en-AU"/>
           </a:p>
@@ -13814,7 +13870,7 @@
           <a:p>
             <a:fld id="{0E733A8A-EBC9-4721-B338-01D03FFEEE59}" type="datetimeFigureOut">
               <a:rPr lang="en-AU" smtClean="0"/>
-              <a:t>6/05/2024</a:t>
+              <a:t>7/5/2024</a:t>
             </a:fld>
             <a:endParaRPr lang="en-AU"/>
           </a:p>
@@ -14809,7 +14865,7 @@
           <a:p>
             <a:fld id="{0E733A8A-EBC9-4721-B338-01D03FFEEE59}" type="datetimeFigureOut">
               <a:rPr lang="en-AU" smtClean="0"/>
-              <a:t>6/05/2024</a:t>
+              <a:t>7/5/2024</a:t>
             </a:fld>
             <a:endParaRPr lang="en-AU"/>
           </a:p>
@@ -15693,7 +15749,7 @@
           <a:p>
             <a:fld id="{0E733A8A-EBC9-4721-B338-01D03FFEEE59}" type="datetimeFigureOut">
               <a:rPr lang="en-AU" smtClean="0"/>
-              <a:t>6/05/2024</a:t>
+              <a:t>7/5/2024</a:t>
             </a:fld>
             <a:endParaRPr lang="en-AU"/>
           </a:p>
@@ -18622,6 +18678,278 @@
           <p:cNvPr id="2" name="Title 1">
             <a:extLst>
               <a:ext uri="{FF2B5EF4-FFF2-40B4-BE49-F238E27FC236}">
+                <a16:creationId xmlns:a16="http://schemas.microsoft.com/office/drawing/2014/main" id="{7CDCA96E-E5F8-7D5D-05DD-A85597FCE6F7}"/>
+              </a:ext>
+            </a:extLst>
+          </p:cNvPr>
+          <p:cNvSpPr>
+            <a:spLocks noGrp="1"/>
+          </p:cNvSpPr>
+          <p:nvPr>
+            <p:ph type="title"/>
+          </p:nvPr>
+        </p:nvSpPr>
+        <p:spPr/>
+        <p:txBody>
+          <a:bodyPr/>
+          <a:lstStyle/>
+          <a:p>
+            <a:r>
+              <a:rPr lang="en-AU" dirty="0"/>
+              <a:t>Drug Usage by Education Level</a:t>
+            </a:r>
+            <a:endParaRPr lang="en-US" dirty="0"/>
+          </a:p>
+        </p:txBody>
+      </p:sp>
+      <p:sp>
+        <p:nvSpPr>
+          <p:cNvPr id="3" name="Content Placeholder 2">
+            <a:extLst>
+              <a:ext uri="{FF2B5EF4-FFF2-40B4-BE49-F238E27FC236}">
+                <a16:creationId xmlns:a16="http://schemas.microsoft.com/office/drawing/2014/main" id="{E2D93D44-666F-686C-09B7-58AAAC025410}"/>
+              </a:ext>
+            </a:extLst>
+          </p:cNvPr>
+          <p:cNvSpPr>
+            <a:spLocks noGrp="1"/>
+          </p:cNvSpPr>
+          <p:nvPr>
+            <p:ph idx="1"/>
+          </p:nvPr>
+        </p:nvSpPr>
+        <p:spPr>
+          <a:xfrm>
+            <a:off x="240030" y="2228850"/>
+            <a:ext cx="11738610" cy="3790950"/>
+          </a:xfrm>
+        </p:spPr>
+        <p:txBody>
+          <a:bodyPr/>
+          <a:lstStyle/>
+          <a:p>
+            <a:r>
+              <a:rPr lang="en-US" sz="1800" dirty="0">
+                <a:solidFill>
+                  <a:srgbClr val="202020"/>
+                </a:solidFill>
+                <a:effectLst/>
+              </a:rPr>
+              <a:t>Research Question: Does level of education affect people’s level of drug intake particularly cannabis?</a:t>
+            </a:r>
+          </a:p>
+          <a:p>
+            <a:r>
+              <a:rPr lang="en-US" dirty="0">
+                <a:solidFill>
+                  <a:srgbClr val="202020"/>
+                </a:solidFill>
+                <a:effectLst/>
+              </a:rPr>
+              <a:t>Hypothesis: having low level of education (people who have left school before 16 years) has a higher chance of cannabis intake level.</a:t>
+            </a:r>
+          </a:p>
+          <a:p>
+            <a:r>
+              <a:rPr lang="en-US" dirty="0">
+                <a:solidFill>
+                  <a:srgbClr val="202020"/>
+                </a:solidFill>
+                <a:effectLst/>
+              </a:rPr>
+              <a:t>Null hypothesis: having low level of education (people who have left school before 16 years) has no effect on cannabis intake level.</a:t>
+            </a:r>
+          </a:p>
+          <a:p>
+            <a:endParaRPr lang="en-US" dirty="0"/>
+          </a:p>
+        </p:txBody>
+      </p:sp>
+      <p:pic>
+        <p:nvPicPr>
+          <p:cNvPr id="4" name="Picture 3" descr="A table with numbers and text&#10;&#10;Description automatically generated">
+            <a:extLst>
+              <a:ext uri="{FF2B5EF4-FFF2-40B4-BE49-F238E27FC236}">
+                <a16:creationId xmlns:a16="http://schemas.microsoft.com/office/drawing/2014/main" id="{CA2DC24C-8B69-355D-1BF9-F465D97D3D7D}"/>
+              </a:ext>
+            </a:extLst>
+          </p:cNvPr>
+          <p:cNvPicPr>
+            <a:picLocks noChangeAspect="1"/>
+          </p:cNvPicPr>
+          <p:nvPr/>
+        </p:nvPicPr>
+        <p:blipFill rotWithShape="1">
+          <a:blip r:embed="rId2"/>
+          <a:srcRect r="6422"/>
+          <a:stretch/>
+        </p:blipFill>
+        <p:spPr>
+          <a:xfrm>
+            <a:off x="5046096" y="4012096"/>
+            <a:ext cx="6763533" cy="2845904"/>
+          </a:xfrm>
+          <a:prstGeom prst="rect">
+            <a:avLst/>
+          </a:prstGeom>
+        </p:spPr>
+      </p:pic>
+    </p:spTree>
+    <p:extLst>
+      <p:ext uri="{BB962C8B-B14F-4D97-AF65-F5344CB8AC3E}">
+        <p14:creationId xmlns:p14="http://schemas.microsoft.com/office/powerpoint/2010/main" val="210568215"/>
+      </p:ext>
+    </p:extLst>
+  </p:cSld>
+  <p:clrMapOvr>
+    <a:masterClrMapping/>
+  </p:clrMapOvr>
+</p:sld>
+</file>
+
+<file path=ppt/slides/slide12.xml><?xml version="1.0" encoding="utf-8"?>
+<p:sld xmlns:a="http://schemas.openxmlformats.org/drawingml/2006/main" xmlns:r="http://schemas.openxmlformats.org/officeDocument/2006/relationships" xmlns:p="http://schemas.openxmlformats.org/presentationml/2006/main">
+  <p:cSld>
+    <p:spTree>
+      <p:nvGrpSpPr>
+        <p:cNvPr id="1" name=""/>
+        <p:cNvGrpSpPr/>
+        <p:nvPr/>
+      </p:nvGrpSpPr>
+      <p:grpSpPr>
+        <a:xfrm>
+          <a:off x="0" y="0"/>
+          <a:ext cx="0" cy="0"/>
+          <a:chOff x="0" y="0"/>
+          <a:chExt cx="0" cy="0"/>
+        </a:xfrm>
+      </p:grpSpPr>
+      <p:sp>
+        <p:nvSpPr>
+          <p:cNvPr id="2" name="Title 1">
+            <a:extLst>
+              <a:ext uri="{FF2B5EF4-FFF2-40B4-BE49-F238E27FC236}">
+                <a16:creationId xmlns:a16="http://schemas.microsoft.com/office/drawing/2014/main" id="{45F6A7BF-E86D-CBCD-2F70-A4952FC1B5F9}"/>
+              </a:ext>
+            </a:extLst>
+          </p:cNvPr>
+          <p:cNvSpPr>
+            <a:spLocks noGrp="1"/>
+          </p:cNvSpPr>
+          <p:nvPr>
+            <p:ph type="title"/>
+          </p:nvPr>
+        </p:nvSpPr>
+        <p:spPr/>
+        <p:txBody>
+          <a:bodyPr/>
+          <a:lstStyle/>
+          <a:p>
+            <a:r>
+              <a:rPr lang="en-AU" dirty="0"/>
+              <a:t>Drug Usage by Education Level</a:t>
+            </a:r>
+            <a:endParaRPr lang="en-US" dirty="0"/>
+          </a:p>
+        </p:txBody>
+      </p:sp>
+      <p:pic>
+        <p:nvPicPr>
+          <p:cNvPr id="4" name="Content Placeholder 3">
+            <a:extLst>
+              <a:ext uri="{FF2B5EF4-FFF2-40B4-BE49-F238E27FC236}">
+                <a16:creationId xmlns:a16="http://schemas.microsoft.com/office/drawing/2014/main" id="{25A79C21-1F7A-AA48-3BAD-A6EB8C8113A4}"/>
+              </a:ext>
+            </a:extLst>
+          </p:cNvPr>
+          <p:cNvPicPr>
+            <a:picLocks noGrp="1" noChangeAspect="1"/>
+          </p:cNvPicPr>
+          <p:nvPr>
+            <p:ph idx="1"/>
+          </p:nvPr>
+        </p:nvPicPr>
+        <p:blipFill>
+          <a:blip r:embed="rId2"/>
+          <a:stretch>
+            <a:fillRect/>
+          </a:stretch>
+        </p:blipFill>
+        <p:spPr>
+          <a:xfrm>
+            <a:off x="166061" y="2189734"/>
+            <a:ext cx="3650565" cy="4547663"/>
+          </a:xfrm>
+          <a:prstGeom prst="rect">
+            <a:avLst/>
+          </a:prstGeom>
+        </p:spPr>
+      </p:pic>
+      <p:pic>
+        <p:nvPicPr>
+          <p:cNvPr id="5" name="Content Placeholder 4" descr="A screenshot of a computer code&#10;&#10;Description automatically generated">
+            <a:extLst>
+              <a:ext uri="{FF2B5EF4-FFF2-40B4-BE49-F238E27FC236}">
+                <a16:creationId xmlns:a16="http://schemas.microsoft.com/office/drawing/2014/main" id="{FE952170-5D4C-C466-44DB-B57A05B37B16}"/>
+              </a:ext>
+            </a:extLst>
+          </p:cNvPr>
+          <p:cNvPicPr>
+            <a:picLocks noChangeAspect="1"/>
+          </p:cNvPicPr>
+          <p:nvPr/>
+        </p:nvPicPr>
+        <p:blipFill>
+          <a:blip r:embed="rId3"/>
+          <a:stretch>
+            <a:fillRect/>
+          </a:stretch>
+        </p:blipFill>
+        <p:spPr>
+          <a:xfrm>
+            <a:off x="3919827" y="2301085"/>
+            <a:ext cx="7957522" cy="3583246"/>
+          </a:xfrm>
+          <a:prstGeom prst="rect">
+            <a:avLst/>
+          </a:prstGeom>
+        </p:spPr>
+      </p:pic>
+    </p:spTree>
+    <p:extLst>
+      <p:ext uri="{BB962C8B-B14F-4D97-AF65-F5344CB8AC3E}">
+        <p14:creationId xmlns:p14="http://schemas.microsoft.com/office/powerpoint/2010/main" val="153434440"/>
+      </p:ext>
+    </p:extLst>
+  </p:cSld>
+  <p:clrMapOvr>
+    <a:masterClrMapping/>
+  </p:clrMapOvr>
+</p:sld>
+</file>
+
+<file path=ppt/slides/slide13.xml><?xml version="1.0" encoding="utf-8"?>
+<p:sld xmlns:a="http://schemas.openxmlformats.org/drawingml/2006/main" xmlns:r="http://schemas.openxmlformats.org/officeDocument/2006/relationships" xmlns:p="http://schemas.openxmlformats.org/presentationml/2006/main">
+  <p:cSld>
+    <p:spTree>
+      <p:nvGrpSpPr>
+        <p:cNvPr id="1" name=""/>
+        <p:cNvGrpSpPr/>
+        <p:nvPr/>
+      </p:nvGrpSpPr>
+      <p:grpSpPr>
+        <a:xfrm>
+          <a:off x="0" y="0"/>
+          <a:ext cx="0" cy="0"/>
+          <a:chOff x="0" y="0"/>
+          <a:chExt cx="0" cy="0"/>
+        </a:xfrm>
+      </p:grpSpPr>
+      <p:sp>
+        <p:nvSpPr>
+          <p:cNvPr id="2" name="Title 1">
+            <a:extLst>
+              <a:ext uri="{FF2B5EF4-FFF2-40B4-BE49-F238E27FC236}">
                 <a16:creationId xmlns:a16="http://schemas.microsoft.com/office/drawing/2014/main" id="{44866F1E-7FC1-C433-77FE-0FF7E08E68ED}"/>
               </a:ext>
             </a:extLst>
@@ -18699,7 +19027,7 @@
 </p:sld>
 </file>
 
-<file path=ppt/slides/slide12.xml><?xml version="1.0" encoding="utf-8"?>
+<file path=ppt/slides/slide14.xml><?xml version="1.0" encoding="utf-8"?>
 <p:sld xmlns:a="http://schemas.openxmlformats.org/drawingml/2006/main" xmlns:r="http://schemas.openxmlformats.org/officeDocument/2006/relationships" xmlns:p="http://schemas.openxmlformats.org/presentationml/2006/main">
   <p:cSld>
     <p:spTree>
@@ -18867,7 +19195,7 @@
           <p:nvPr>
             <p:extLst>
               <p:ext uri="{D42A27DB-BD31-4B8C-83A1-F6EECF244321}">
-                <p14:modId xmlns:p14="http://schemas.microsoft.com/office/powerpoint/2010/main" val="2815282946"/>
+                <p14:modId xmlns:p14="http://schemas.microsoft.com/office/powerpoint/2010/main" val="3898826307"/>
               </p:ext>
             </p:extLst>
           </p:nvPr>
